--- a/ppt.pptx
+++ b/ppt.pptx
@@ -249,7 +249,7 @@
           <a:p>
             <a:fld id="{C238102F-BFA3-4357-9FA0-3A064E6F1B5A}" type="datetimeFigureOut">
               <a:rPr lang="en-US" smtClean="0"/>
-              <a:t>8/17/2023</a:t>
+              <a:t>8/31/2023</a:t>
             </a:fld>
             <a:endParaRPr lang="en-US" dirty="0"/>
           </a:p>
@@ -15934,6 +15934,15 @@
 </file>
 
 <file path=customXml/item1.xml><?xml version="1.0" encoding="utf-8"?>
+<?mso-contentType ?>
+<FormTemplates xmlns="http://schemas.microsoft.com/sharepoint/v3/contenttype/forms">
+  <Display>DocumentLibraryForm</Display>
+  <Edit>DocumentLibraryForm</Edit>
+  <New>DocumentLibraryForm</New>
+</FormTemplates>
+</file>
+
+<file path=customXml/item2.xml><?xml version="1.0" encoding="utf-8"?>
 <ct:contentTypeSchema xmlns:ct="http://schemas.microsoft.com/office/2006/metadata/contentType" xmlns:ma="http://schemas.microsoft.com/office/2006/metadata/properties/metaAttributes" ct:_="" ma:_="" ma:contentTypeName="Document" ma:contentTypeID="0x01010079F111ED35F8CC479449609E8A0923A6" ma:contentTypeVersion="24" ma:contentTypeDescription="Create a new document." ma:contentTypeScope="" ma:versionID="2d714a3296df14eba7a100bb665443ca">
   <xsd:schema xmlns:xsd="http://www.w3.org/2001/XMLSchema" xmlns:xs="http://www.w3.org/2001/XMLSchema" xmlns:p="http://schemas.microsoft.com/office/2006/metadata/properties" xmlns:ns1="http://schemas.microsoft.com/sharepoint/v3" xmlns:ns2="71af3243-3dd4-4a8d-8c0d-dd76da1f02a5" xmlns:ns3="16c05727-aa75-4e4a-9b5f-8a80a1165891" xmlns:ns4="230e9df3-be65-4c73-a93b-d1236ebd677e" targetNamespace="http://schemas.microsoft.com/office/2006/metadata/properties" ma:root="true" ma:fieldsID="49549bf45bfbbfb6cffed527380e77e1" ns1:_="" ns2:_="" ns3:_="" ns4:_="">
     <xsd:import namespace="http://schemas.microsoft.com/sharepoint/v3"/>
@@ -16221,15 +16230,6 @@
 </ct:contentTypeSchema>
 </file>
 
-<file path=customXml/item2.xml><?xml version="1.0" encoding="utf-8"?>
-<?mso-contentType ?>
-<FormTemplates xmlns="http://schemas.microsoft.com/sharepoint/v3/contenttype/forms">
-  <Display>DocumentLibraryForm</Display>
-  <Edit>DocumentLibraryForm</Edit>
-  <New>DocumentLibraryForm</New>
-</FormTemplates>
-</file>
-
 <file path=customXml/item3.xml><?xml version="1.0" encoding="utf-8"?>
 <p:properties xmlns:p="http://schemas.microsoft.com/office/2006/metadata/properties" xmlns:xsi="http://www.w3.org/2001/XMLSchema-instance" xmlns:pc="http://schemas.microsoft.com/office/infopath/2007/PartnerControls">
   <documentManagement>
@@ -16251,6 +16251,14 @@
 </file>
 
 <file path=customXml/itemProps1.xml><?xml version="1.0" encoding="utf-8"?>
+<ds:datastoreItem xmlns:ds="http://schemas.openxmlformats.org/officeDocument/2006/customXml" ds:itemID="{5FA78568-A730-4D3B-A489-FD854E91254A}">
+  <ds:schemaRefs>
+    <ds:schemaRef ds:uri="http://schemas.microsoft.com/sharepoint/v3/contenttype/forms"/>
+  </ds:schemaRefs>
+</ds:datastoreItem>
+</file>
+
+<file path=customXml/itemProps2.xml><?xml version="1.0" encoding="utf-8"?>
 <ds:datastoreItem xmlns:ds="http://schemas.openxmlformats.org/officeDocument/2006/customXml" ds:itemID="{A7D90517-43A3-4BC6-B197-5C7B7D3DBCAD}">
   <ds:schemaRefs>
     <ds:schemaRef ds:uri="http://schemas.microsoft.com/office/2006/metadata/contentType"/>
@@ -16271,14 +16279,6 @@
 </ds:datastoreItem>
 </file>
 
-<file path=customXml/itemProps2.xml><?xml version="1.0" encoding="utf-8"?>
-<ds:datastoreItem xmlns:ds="http://schemas.openxmlformats.org/officeDocument/2006/customXml" ds:itemID="{5FA78568-A730-4D3B-A489-FD854E91254A}">
-  <ds:schemaRefs>
-    <ds:schemaRef ds:uri="http://schemas.microsoft.com/sharepoint/v3/contenttype/forms"/>
-  </ds:schemaRefs>
-</ds:datastoreItem>
-</file>
-
 <file path=customXml/itemProps3.xml><?xml version="1.0" encoding="utf-8"?>
 <ds:datastoreItem xmlns:ds="http://schemas.openxmlformats.org/officeDocument/2006/customXml" ds:itemID="{61D9A46C-D3F3-4D45-B248-B831C6B5FC85}">
   <ds:schemaRefs>
